--- a/lab3/other/实验要求3.pptx
+++ b/lab3/other/实验要求3.pptx
@@ -18,7 +18,6 @@
     <p:sldId id="273" r:id="rId13"/>
     <p:sldId id="259" r:id="rId14"/>
     <p:sldId id="260" r:id="rId15"/>
-    <p:sldId id="274" r:id="rId16"/>
   </p:sldIdLst>
   <p:sldSz cx="12192000" cy="6858000"/>
   <p:notesSz cx="6858000" cy="9144000"/>
@@ -5502,7 +5501,7 @@
           <a:schemeClr val="accent1"/>
         </a:buClr>
         <a:buSzPct val="115000"/>
-        <a:buFont typeface="Arial"/>
+        <a:buFont typeface="Arial" panose="020B0604020202020204"/>
         <a:buChar char="•"/>
         <a:defRPr sz="2400" kern="1200" cap="none">
           <a:solidFill>
@@ -5528,7 +5527,7 @@
           <a:schemeClr val="accent1"/>
         </a:buClr>
         <a:buSzPct val="115000"/>
-        <a:buFont typeface="Arial"/>
+        <a:buFont typeface="Arial" panose="020B0604020202020204"/>
         <a:buChar char="•"/>
         <a:defRPr sz="2000" kern="1200" cap="none">
           <a:solidFill>
@@ -5554,7 +5553,7 @@
           <a:schemeClr val="accent1"/>
         </a:buClr>
         <a:buSzPct val="115000"/>
-        <a:buFont typeface="Arial"/>
+        <a:buFont typeface="Arial" panose="020B0604020202020204"/>
         <a:buChar char="•"/>
         <a:defRPr sz="1800" kern="1200" cap="none">
           <a:solidFill>
@@ -5580,7 +5579,7 @@
           <a:schemeClr val="accent1"/>
         </a:buClr>
         <a:buSzPct val="115000"/>
-        <a:buFont typeface="Arial"/>
+        <a:buFont typeface="Arial" panose="020B0604020202020204"/>
         <a:buChar char="•"/>
         <a:defRPr sz="1600" kern="1200" cap="none">
           <a:solidFill>
@@ -5606,7 +5605,7 @@
           <a:schemeClr val="accent1"/>
         </a:buClr>
         <a:buSzPct val="115000"/>
-        <a:buFont typeface="Arial"/>
+        <a:buFont typeface="Arial" panose="020B0604020202020204"/>
         <a:buChar char="•"/>
         <a:defRPr sz="1400" kern="1200" cap="none">
           <a:solidFill>
@@ -5632,7 +5631,7 @@
           <a:schemeClr val="accent1"/>
         </a:buClr>
         <a:buSzPct val="115000"/>
-        <a:buFont typeface="Arial"/>
+        <a:buFont typeface="Arial" panose="020B0604020202020204"/>
         <a:buChar char="•"/>
         <a:defRPr sz="1400" kern="1200" cap="none">
           <a:solidFill>
@@ -5658,7 +5657,7 @@
           <a:schemeClr val="accent1"/>
         </a:buClr>
         <a:buSzPct val="115000"/>
-        <a:buFont typeface="Arial"/>
+        <a:buFont typeface="Arial" panose="020B0604020202020204"/>
         <a:buChar char="•"/>
         <a:defRPr sz="1400" kern="1200" cap="none">
           <a:solidFill>
@@ -5684,7 +5683,7 @@
           <a:schemeClr val="accent1"/>
         </a:buClr>
         <a:buSzPct val="115000"/>
-        <a:buFont typeface="Arial"/>
+        <a:buFont typeface="Arial" panose="020B0604020202020204"/>
         <a:buChar char="•"/>
         <a:defRPr sz="1400" kern="1200" cap="none">
           <a:solidFill>
@@ -5710,7 +5709,7 @@
           <a:schemeClr val="accent1"/>
         </a:buClr>
         <a:buSzPct val="115000"/>
-        <a:buFont typeface="Arial"/>
+        <a:buFont typeface="Arial" panose="020B0604020202020204"/>
         <a:buChar char="•"/>
         <a:defRPr sz="1400" kern="1200" cap="none">
           <a:solidFill>
@@ -5925,7 +5924,7 @@
               </a:p>
               <a:p>
                 <a:pPr algn="l">
-                  <a:buFont typeface="Arial" panose="02080604020202020204" pitchFamily="34" charset="0"/>
+                  <a:buFont typeface="Arial" panose="020B0604020202020204" pitchFamily="34" charset="0"/>
                   <a:buChar char="•"/>
                 </a:pPr>
                 <a:endParaRPr lang="en-US" altLang="zh-CN" b="1" i="0" dirty="0">
@@ -5938,7 +5937,7 @@
               </a:p>
               <a:p>
                 <a:pPr algn="l">
-                  <a:buFont typeface="Arial" panose="02080604020202020204" pitchFamily="34" charset="0"/>
+                  <a:buFont typeface="Arial" panose="020B0604020202020204" pitchFamily="34" charset="0"/>
                   <a:buChar char="•"/>
                 </a:pPr>
                 <a:endParaRPr lang="en-US" altLang="zh-CN" b="1" dirty="0">
@@ -6377,7 +6376,7 @@
               <a:blipFill rotWithShape="1">
                 <a:blip r:embed="rId1"/>
                 <a:stretch>
-                  <a:fillRect t="-434" r="7" b="6"/>
+                  <a:fillRect t="-338" r="7" b="6"/>
                 </a:stretch>
               </a:blipFill>
             </p:spPr>
@@ -6900,7 +6899,7 @@
           <a:lstStyle/>
           <a:p>
             <a:pPr algn="l">
-              <a:buFont typeface="Arial" panose="02080604020202020204" pitchFamily="34" charset="0"/>
+              <a:buFont typeface="Arial" panose="020B0604020202020204" pitchFamily="34" charset="0"/>
               <a:buChar char="•"/>
             </a:pPr>
             <a:r>
@@ -6933,7 +6932,7 @@
           </a:p>
           <a:p>
             <a:pPr algn="l">
-              <a:buFont typeface="Arial" panose="02080604020202020204" pitchFamily="34" charset="0"/>
+              <a:buFont typeface="Arial" panose="020B0604020202020204" pitchFamily="34" charset="0"/>
               <a:buChar char="•"/>
             </a:pPr>
             <a:r>
@@ -6966,7 +6965,7 @@
           </a:p>
           <a:p>
             <a:pPr algn="l">
-              <a:buFont typeface="Arial" panose="02080604020202020204" pitchFamily="34" charset="0"/>
+              <a:buFont typeface="Arial" panose="020B0604020202020204" pitchFamily="34" charset="0"/>
               <a:buChar char="•"/>
             </a:pPr>
             <a:r>
@@ -7464,300 +7463,6 @@
               <a:latin typeface="楷体" panose="02010609060101010101" pitchFamily="49" charset="-122"/>
               <a:ea typeface="楷体" panose="02010609060101010101" pitchFamily="49" charset="-122"/>
             </a:endParaRPr>
-          </a:p>
-        </p:txBody>
-      </p:sp>
-    </p:spTree>
-  </p:cSld>
-  <p:clrMapOvr>
-    <a:masterClrMapping/>
-  </p:clrMapOvr>
-</p:sld>
-</file>
-
-<file path=ppt/slides/slide14.xml><?xml version="1.0" encoding="utf-8"?>
-<p:sld xmlns:a="http://schemas.openxmlformats.org/drawingml/2006/main" xmlns:r="http://schemas.openxmlformats.org/officeDocument/2006/relationships" xmlns:p="http://schemas.openxmlformats.org/presentationml/2006/main">
-  <p:cSld>
-    <p:spTree>
-      <p:nvGrpSpPr>
-        <p:cNvPr id="1" name=""/>
-        <p:cNvGrpSpPr/>
-        <p:nvPr/>
-      </p:nvGrpSpPr>
-      <p:grpSpPr>
-        <a:xfrm>
-          <a:off x="0" y="0"/>
-          <a:ext cx="0" cy="0"/>
-          <a:chOff x="0" y="0"/>
-          <a:chExt cx="0" cy="0"/>
-        </a:xfrm>
-      </p:grpSpPr>
-      <p:sp>
-        <p:nvSpPr>
-          <p:cNvPr id="2" name="标题 1"/>
-          <p:cNvSpPr>
-            <a:spLocks noGrp="1"/>
-          </p:cNvSpPr>
-          <p:nvPr>
-            <p:ph type="title"/>
-          </p:nvPr>
-        </p:nvSpPr>
-        <p:spPr/>
-        <p:txBody>
-          <a:bodyPr/>
-          <a:lstStyle/>
-          <a:p>
-            <a:r>
-              <a:rPr kumimoji="1" lang="en-US" altLang="zh-CN" dirty="0"/>
-              <a:t>Project1</a:t>
-            </a:r>
-            <a:r>
-              <a:rPr kumimoji="1" lang="zh-CN" altLang="en-US" dirty="0"/>
-              <a:t> 线性规划要求</a:t>
-            </a:r>
-            <a:endParaRPr kumimoji="1" lang="zh-CN" altLang="en-US" dirty="0"/>
-          </a:p>
-        </p:txBody>
-      </p:sp>
-      <p:sp>
-        <p:nvSpPr>
-          <p:cNvPr id="3" name="内容占位符 2"/>
-          <p:cNvSpPr>
-            <a:spLocks noGrp="1"/>
-          </p:cNvSpPr>
-          <p:nvPr>
-            <p:ph idx="1"/>
-          </p:nvPr>
-        </p:nvSpPr>
-        <p:spPr/>
-        <p:txBody>
-          <a:bodyPr>
-            <a:normAutofit fontScale="70000" lnSpcReduction="20000"/>
-          </a:bodyPr>
-          <a:lstStyle/>
-          <a:p>
-            <a:pPr marL="0" indent="0">
-              <a:buNone/>
-            </a:pPr>
-            <a:r>
-              <a:rPr kumimoji="1" lang="zh-CN" altLang="en-US" dirty="0"/>
-              <a:t>可以假设输入的线性规划必须是标准形式</a:t>
-            </a:r>
-            <a:endParaRPr kumimoji="1" lang="en-US" altLang="zh-CN" dirty="0"/>
-          </a:p>
-          <a:p>
-            <a:pPr marL="0" indent="0">
-              <a:buNone/>
-            </a:pPr>
-            <a:r>
-              <a:rPr lang="zh-CN" altLang="en-US" dirty="0">
-                <a:latin typeface="楷体" panose="02010609060101010101" pitchFamily="49" charset="-122"/>
-                <a:ea typeface="楷体" panose="02010609060101010101" pitchFamily="49" charset="-122"/>
-              </a:rPr>
-              <a:t>总分</a:t>
-            </a:r>
-            <a:r>
-              <a:rPr lang="en-US" altLang="zh-CN" dirty="0">
-                <a:latin typeface="楷体" panose="02010609060101010101" pitchFamily="49" charset="-122"/>
-                <a:ea typeface="楷体" panose="02010609060101010101" pitchFamily="49" charset="-122"/>
-              </a:rPr>
-              <a:t>10</a:t>
-            </a:r>
-            <a:r>
-              <a:rPr lang="zh-CN" altLang="en-US" dirty="0">
-                <a:latin typeface="楷体" panose="02010609060101010101" pitchFamily="49" charset="-122"/>
-                <a:ea typeface="楷体" panose="02010609060101010101" pitchFamily="49" charset="-122"/>
-              </a:rPr>
-              <a:t>分</a:t>
-            </a:r>
-            <a:endParaRPr lang="en-US" altLang="zh-CN" dirty="0">
-              <a:latin typeface="楷体" panose="02010609060101010101" pitchFamily="49" charset="-122"/>
-              <a:ea typeface="楷体" panose="02010609060101010101" pitchFamily="49" charset="-122"/>
-            </a:endParaRPr>
-          </a:p>
-          <a:p>
-            <a:r>
-              <a:rPr lang="zh-CN" altLang="en-US" dirty="0">
-                <a:latin typeface="楷体" panose="02010609060101010101" pitchFamily="49" charset="-122"/>
-                <a:ea typeface="楷体" panose="02010609060101010101" pitchFamily="49" charset="-122"/>
-              </a:rPr>
-              <a:t>代码规范性</a:t>
-            </a:r>
-            <a:r>
-              <a:rPr lang="en-US" altLang="zh-CN" dirty="0">
-                <a:latin typeface="楷体" panose="02010609060101010101" pitchFamily="49" charset="-122"/>
-                <a:ea typeface="楷体" panose="02010609060101010101" pitchFamily="49" charset="-122"/>
-              </a:rPr>
-              <a:t>2</a:t>
-            </a:r>
-            <a:r>
-              <a:rPr lang="zh-CN" altLang="en-US" dirty="0">
-                <a:latin typeface="楷体" panose="02010609060101010101" pitchFamily="49" charset="-122"/>
-                <a:ea typeface="楷体" panose="02010609060101010101" pitchFamily="49" charset="-122"/>
-              </a:rPr>
-              <a:t>分（包括命名规范和函数模块化）</a:t>
-            </a:r>
-            <a:r>
-              <a:rPr lang="en-US" altLang="zh-CN" dirty="0">
-                <a:latin typeface="楷体" panose="02010609060101010101" pitchFamily="49" charset="-122"/>
-                <a:ea typeface="楷体" panose="02010609060101010101" pitchFamily="49" charset="-122"/>
-              </a:rPr>
-              <a:t>+</a:t>
-            </a:r>
-            <a:r>
-              <a:rPr lang="zh-CN" altLang="en-US" dirty="0">
-                <a:latin typeface="楷体" panose="02010609060101010101" pitchFamily="49" charset="-122"/>
-                <a:ea typeface="楷体" panose="02010609060101010101" pitchFamily="49" charset="-122"/>
-              </a:rPr>
-              <a:t>正确性</a:t>
-            </a:r>
-            <a:r>
-              <a:rPr lang="en-US" altLang="zh-CN" dirty="0">
-                <a:latin typeface="楷体" panose="02010609060101010101" pitchFamily="49" charset="-122"/>
-                <a:ea typeface="楷体" panose="02010609060101010101" pitchFamily="49" charset="-122"/>
-              </a:rPr>
-              <a:t>4</a:t>
-            </a:r>
-            <a:r>
-              <a:rPr lang="zh-CN" altLang="en-US" dirty="0">
-                <a:latin typeface="楷体" panose="02010609060101010101" pitchFamily="49" charset="-122"/>
-                <a:ea typeface="楷体" panose="02010609060101010101" pitchFamily="49" charset="-122"/>
-              </a:rPr>
-              <a:t>分：</a:t>
-            </a:r>
-            <a:endParaRPr lang="en-US" altLang="zh-CN" dirty="0">
-              <a:latin typeface="楷体" panose="02010609060101010101" pitchFamily="49" charset="-122"/>
-              <a:ea typeface="楷体" panose="02010609060101010101" pitchFamily="49" charset="-122"/>
-            </a:endParaRPr>
-          </a:p>
-          <a:p>
-            <a:pPr lvl="1"/>
-            <a:r>
-              <a:rPr kumimoji="1" lang="zh-CN" altLang="en-US" dirty="0"/>
-              <a:t>模块</a:t>
-            </a:r>
-            <a:r>
-              <a:rPr kumimoji="1" lang="en-US" altLang="zh-CN" dirty="0"/>
-              <a:t>1</a:t>
-            </a:r>
-            <a:r>
-              <a:rPr kumimoji="1" lang="zh-CN" altLang="en-US" dirty="0"/>
-              <a:t>： 检查</a:t>
-            </a:r>
-            <a:r>
-              <a:rPr kumimoji="1" lang="en-US" altLang="zh-CN" dirty="0"/>
-              <a:t>A</a:t>
-            </a:r>
-            <a:r>
-              <a:rPr kumimoji="1" lang="zh-CN" altLang="en-US" dirty="0"/>
-              <a:t>是否行慢秩，如果非满秩，移除多余的约束</a:t>
-            </a:r>
-            <a:endParaRPr kumimoji="1" lang="en-US" altLang="zh-CN" dirty="0"/>
-          </a:p>
-          <a:p>
-            <a:pPr lvl="1"/>
-            <a:r>
-              <a:rPr kumimoji="1" lang="zh-CN" altLang="en-US" dirty="0"/>
-              <a:t>模块</a:t>
-            </a:r>
-            <a:r>
-              <a:rPr kumimoji="1" lang="en-US" altLang="zh-CN" dirty="0"/>
-              <a:t>2</a:t>
-            </a:r>
-            <a:r>
-              <a:rPr kumimoji="1" lang="zh-CN" altLang="en-US" dirty="0"/>
-              <a:t>： 初始化可行基解：大</a:t>
-            </a:r>
-            <a:r>
-              <a:rPr kumimoji="1" lang="en-US" altLang="zh-CN" dirty="0"/>
-              <a:t>M</a:t>
-            </a:r>
-            <a:r>
-              <a:rPr kumimoji="1" lang="zh-CN" altLang="en-US" dirty="0"/>
-              <a:t>法</a:t>
-            </a:r>
-            <a:endParaRPr kumimoji="1" lang="en-US" altLang="zh-CN" dirty="0"/>
-          </a:p>
-          <a:p>
-            <a:pPr lvl="1"/>
-            <a:r>
-              <a:rPr kumimoji="1" lang="zh-CN" altLang="en-US" dirty="0"/>
-              <a:t>模块</a:t>
-            </a:r>
-            <a:r>
-              <a:rPr kumimoji="1" lang="en-US" altLang="zh-CN" dirty="0"/>
-              <a:t>3</a:t>
-            </a:r>
-            <a:r>
-              <a:rPr kumimoji="1" lang="zh-CN" altLang="en-US" dirty="0"/>
-              <a:t>：单纯形法的迭代</a:t>
-            </a:r>
-            <a:endParaRPr kumimoji="1" lang="en-US" altLang="zh-CN" dirty="0"/>
-          </a:p>
-          <a:p>
-            <a:pPr lvl="1"/>
-            <a:r>
-              <a:rPr kumimoji="1" lang="zh-CN" altLang="en-US" dirty="0"/>
-              <a:t>正确性还包括避免退化解循环，需要验证并写入报告。</a:t>
-            </a:r>
-            <a:endParaRPr kumimoji="1" lang="en-US" altLang="zh-CN" dirty="0"/>
-          </a:p>
-          <a:p>
-            <a:pPr>
-              <a:buFont typeface="Arial" panose="02080604020202020204" pitchFamily="34" charset="0"/>
-              <a:buChar char="•"/>
-            </a:pPr>
-            <a:r>
-              <a:rPr kumimoji="1" lang="zh-CN" altLang="en-US" dirty="0"/>
-              <a:t>实验报告</a:t>
-            </a:r>
-            <a:r>
-              <a:rPr kumimoji="1" lang="en-US" altLang="zh-CN" dirty="0"/>
-              <a:t>4</a:t>
-            </a:r>
-            <a:r>
-              <a:rPr kumimoji="1" lang="zh-CN" altLang="en-US" dirty="0"/>
-              <a:t>分</a:t>
-            </a:r>
-            <a:endParaRPr kumimoji="1" lang="en-US" altLang="zh-CN" dirty="0"/>
-          </a:p>
-          <a:p>
-            <a:pPr lvl="1">
-              <a:buFont typeface="Arial" panose="02080604020202020204" pitchFamily="34" charset="0"/>
-              <a:buChar char="•"/>
-            </a:pPr>
-            <a:r>
-              <a:rPr kumimoji="1" lang="zh-CN" altLang="en-US" dirty="0"/>
-              <a:t>说明各个模块中，是如何处理的，可以结合讲义。</a:t>
-            </a:r>
-            <a:endParaRPr kumimoji="1" lang="en-US" altLang="zh-CN" dirty="0"/>
-          </a:p>
-          <a:p>
-            <a:pPr lvl="1">
-              <a:buFont typeface="Arial" panose="02080604020202020204" pitchFamily="34" charset="0"/>
-              <a:buChar char="•"/>
-            </a:pPr>
-            <a:r>
-              <a:rPr kumimoji="1" lang="zh-CN" altLang="en-US" dirty="0"/>
-              <a:t>随机生成测试案例，报告求解时间随着问题规模的变化图像。每个规模的时间，需要对随机的</a:t>
-            </a:r>
-            <a:r>
-              <a:rPr kumimoji="1" lang="en-US" altLang="zh-CN" dirty="0"/>
-              <a:t>20</a:t>
-            </a:r>
-            <a:r>
-              <a:rPr kumimoji="1" lang="zh-CN" altLang="en-US" dirty="0"/>
-              <a:t>个测试案例取均值，</a:t>
-            </a:r>
-            <a:r>
-              <a:rPr kumimoji="1" lang="zh-CN" altLang="en-US"/>
-              <a:t>以及计算标准差。</a:t>
-            </a:r>
-            <a:endParaRPr kumimoji="1" lang="en-US" altLang="zh-CN" dirty="0"/>
-          </a:p>
-          <a:p>
-            <a:pPr lvl="1"/>
-            <a:endParaRPr kumimoji="1" lang="en-US" altLang="zh-CN" dirty="0"/>
           </a:p>
         </p:txBody>
       </p:sp>
@@ -9899,23 +9604,14 @@
               <a:p>
                 <a:r>
                   <a:rPr lang="zh-CN" altLang="en-US" sz="3200" dirty="0">
-                    <a:latin typeface="Arial" panose="02080604020202020204" pitchFamily="34" charset="0"/>
-                    <a:cs typeface="Arial" panose="02080604020202020204" pitchFamily="34" charset="0"/>
+                    <a:latin typeface="Arial" panose="020B0604020202020204" pitchFamily="34" charset="0"/>
+                    <a:cs typeface="Arial" panose="020B0604020202020204" pitchFamily="34" charset="0"/>
                   </a:rPr>
                   <a:t>计算梯度</a:t>
                 </a:r>
                 <a:endParaRPr lang="en-US" altLang="zh-CN" sz="2000" dirty="0">
-                  <a:latin typeface="Arial" panose="02080604020202020204" pitchFamily="34" charset="0"/>
-                  <a:cs typeface="Arial" panose="02080604020202020204" pitchFamily="34" charset="0"/>
-                </a:endParaRPr>
-              </a:p>
-              <a:p>
-                <a:pPr marL="0" indent="0">
-                  <a:buNone/>
-                </a:pPr>
-                <a:endParaRPr lang="en-US" altLang="zh-CN" sz="2000" dirty="0">
-                  <a:latin typeface="Arial" panose="02080604020202020204" pitchFamily="34" charset="0"/>
-                  <a:cs typeface="Arial" panose="02080604020202020204" pitchFamily="34" charset="0"/>
+                  <a:latin typeface="Arial" panose="020B0604020202020204" pitchFamily="34" charset="0"/>
+                  <a:cs typeface="Arial" panose="020B0604020202020204" pitchFamily="34" charset="0"/>
                 </a:endParaRPr>
               </a:p>
               <a:p>
@@ -9924,8 +9620,8 @@
                 </a:pPr>
                 <a:r>
                   <a:rPr lang="zh-CN" altLang="en-US" sz="2000" dirty="0">
-                    <a:latin typeface="Arial" panose="02080604020202020204" pitchFamily="34" charset="0"/>
-                    <a:cs typeface="Arial" panose="02080604020202020204" pitchFamily="34" charset="0"/>
+                    <a:latin typeface="Arial" panose="020B0604020202020204" pitchFamily="34" charset="0"/>
+                    <a:cs typeface="Arial" panose="020B0604020202020204" pitchFamily="34" charset="0"/>
                   </a:rPr>
                   <a:t>令 </a:t>
                 </a:r>
@@ -10317,8 +10013,8 @@
                   </m:oMath>
                 </a14:m>
                 <a:endParaRPr lang="zh-CN" altLang="en-US" sz="2000" dirty="0">
-                  <a:latin typeface="Arial" panose="02080604020202020204" pitchFamily="34" charset="0"/>
-                  <a:cs typeface="Arial" panose="02080604020202020204" pitchFamily="34" charset="0"/>
+                  <a:latin typeface="Arial" panose="020B0604020202020204" pitchFamily="34" charset="0"/>
+                  <a:cs typeface="Arial" panose="020B0604020202020204" pitchFamily="34" charset="0"/>
                 </a:endParaRPr>
               </a:p>
             </p:txBody>
@@ -10388,8 +10084,8 @@
               <a:p>
                 <a:r>
                   <a:rPr lang="en-US" altLang="zh-CN" sz="2000" b="0" dirty="0">
-                    <a:latin typeface="Arial" panose="02080604020202020204" pitchFamily="34" charset="0"/>
-                    <a:cs typeface="Arial" panose="02080604020202020204" pitchFamily="34" charset="0"/>
+                    <a:latin typeface="Arial" panose="020B0604020202020204" pitchFamily="34" charset="0"/>
+                    <a:cs typeface="Arial" panose="020B0604020202020204" pitchFamily="34" charset="0"/>
                   </a:rPr>
                   <a:t> </a:t>
                 </a:r>
@@ -10806,15 +10502,15 @@
                   </m:oMath>
                 </a14:m>
                 <a:endParaRPr lang="en-US" altLang="zh-CN" sz="2000" b="0" i="1" dirty="0">
-                  <a:latin typeface="Arial" panose="02080604020202020204" pitchFamily="34" charset="0"/>
-                  <a:cs typeface="Arial" panose="02080604020202020204" pitchFamily="34" charset="0"/>
+                  <a:latin typeface="Arial" panose="020B0604020202020204" pitchFamily="34" charset="0"/>
+                  <a:cs typeface="Arial" panose="020B0604020202020204" pitchFamily="34" charset="0"/>
                 </a:endParaRPr>
               </a:p>
               <a:p>
                 <a:r>
                   <a:rPr lang="en-US" altLang="zh-CN" sz="2000" b="0" dirty="0">
-                    <a:latin typeface="Arial" panose="02080604020202020204" pitchFamily="34" charset="0"/>
-                    <a:cs typeface="Arial" panose="02080604020202020204" pitchFamily="34" charset="0"/>
+                    <a:latin typeface="Arial" panose="020B0604020202020204" pitchFamily="34" charset="0"/>
+                    <a:cs typeface="Arial" panose="020B0604020202020204" pitchFamily="34" charset="0"/>
                   </a:rPr>
                   <a:t>           =</a:t>
                 </a:r>
@@ -11090,15 +10786,15 @@
                   </m:oMath>
                 </a14:m>
                 <a:endParaRPr lang="en-US" altLang="zh-CN" sz="2000" dirty="0">
-                  <a:latin typeface="Arial" panose="02080604020202020204" pitchFamily="34" charset="0"/>
-                  <a:cs typeface="Arial" panose="02080604020202020204" pitchFamily="34" charset="0"/>
+                  <a:latin typeface="Arial" panose="020B0604020202020204" pitchFamily="34" charset="0"/>
+                  <a:cs typeface="Arial" panose="020B0604020202020204" pitchFamily="34" charset="0"/>
                 </a:endParaRPr>
               </a:p>
               <a:p>
                 <a:r>
                   <a:rPr lang="en-US" altLang="zh-CN" sz="2000" dirty="0">
-                    <a:latin typeface="Arial" panose="02080604020202020204" pitchFamily="34" charset="0"/>
-                    <a:cs typeface="Arial" panose="02080604020202020204" pitchFamily="34" charset="0"/>
+                    <a:latin typeface="Arial" panose="020B0604020202020204" pitchFamily="34" charset="0"/>
+                    <a:cs typeface="Arial" panose="020B0604020202020204" pitchFamily="34" charset="0"/>
                   </a:rPr>
                   <a:t>           = </a:t>
                 </a:r>
@@ -11446,15 +11142,15 @@
                   </m:oMath>
                 </a14:m>
                 <a:endParaRPr lang="en-US" altLang="zh-CN" sz="2000" dirty="0">
-                  <a:latin typeface="Arial" panose="02080604020202020204" pitchFamily="34" charset="0"/>
-                  <a:cs typeface="Arial" panose="02080604020202020204" pitchFamily="34" charset="0"/>
+                  <a:latin typeface="Arial" panose="020B0604020202020204" pitchFamily="34" charset="0"/>
+                  <a:cs typeface="Arial" panose="020B0604020202020204" pitchFamily="34" charset="0"/>
                 </a:endParaRPr>
               </a:p>
               <a:p>
                 <a:r>
                   <a:rPr lang="en-US" altLang="zh-CN" sz="2000" dirty="0">
-                    <a:latin typeface="Arial" panose="02080604020202020204" pitchFamily="34" charset="0"/>
-                    <a:cs typeface="Arial" panose="02080604020202020204" pitchFamily="34" charset="0"/>
+                    <a:latin typeface="Arial" panose="020B0604020202020204" pitchFamily="34" charset="0"/>
+                    <a:cs typeface="Arial" panose="020B0604020202020204" pitchFamily="34" charset="0"/>
                   </a:rPr>
                   <a:t>           = </a:t>
                 </a:r>
@@ -11602,8 +11298,8 @@
                   </m:oMath>
                 </a14:m>
                 <a:endParaRPr lang="en-US" altLang="zh-CN" sz="2000" dirty="0">
-                  <a:latin typeface="Arial" panose="02080604020202020204" pitchFamily="34" charset="0"/>
-                  <a:cs typeface="Arial" panose="02080604020202020204" pitchFamily="34" charset="0"/>
+                  <a:latin typeface="Arial" panose="020B0604020202020204" pitchFamily="34" charset="0"/>
+                  <a:cs typeface="Arial" panose="020B0604020202020204" pitchFamily="34" charset="0"/>
                 </a:endParaRPr>
               </a:p>
             </p:txBody>
@@ -12881,7 +12577,12 @@
             <p:ph type="title"/>
           </p:nvPr>
         </p:nvSpPr>
-        <p:spPr/>
+        <p:spPr>
+          <a:xfrm>
+            <a:off x="1295402" y="977052"/>
+            <a:ext cx="9601196" cy="1303867"/>
+          </a:xfrm>
+        </p:spPr>
         <p:txBody>
           <a:bodyPr/>
           <a:lstStyle/>
@@ -12910,7 +12611,7 @@
           <a:lstStyle/>
           <a:p>
             <a:pPr algn="l">
-              <a:buFont typeface="Arial" panose="02080604020202020204" pitchFamily="34" charset="0"/>
+              <a:buFont typeface="Arial" panose="020B0604020202020204" pitchFamily="34" charset="0"/>
               <a:buChar char="•"/>
             </a:pPr>
             <a:r>
@@ -12946,7 +12647,7 @@
           </a:p>
           <a:p>
             <a:pPr lvl="1">
-              <a:buFont typeface="Arial" panose="02080604020202020204" pitchFamily="34" charset="0"/>
+              <a:buFont typeface="Arial" panose="020B0604020202020204" pitchFamily="34" charset="0"/>
               <a:buChar char="•"/>
             </a:pPr>
             <a:r>
@@ -12982,7 +12683,7 @@
           </a:p>
           <a:p>
             <a:pPr algn="l">
-              <a:buFont typeface="Arial" panose="02080604020202020204" pitchFamily="34" charset="0"/>
+              <a:buFont typeface="Arial" panose="020B0604020202020204" pitchFamily="34" charset="0"/>
               <a:buChar char="•"/>
             </a:pPr>
             <a:r>
@@ -13018,7 +12719,7 @@
           </a:p>
           <a:p>
             <a:pPr lvl="1">
-              <a:buFont typeface="Arial" panose="02080604020202020204" pitchFamily="34" charset="0"/>
+              <a:buFont typeface="Arial" panose="020B0604020202020204" pitchFamily="34" charset="0"/>
               <a:buChar char="•"/>
             </a:pPr>
             <a:r>
@@ -13043,7 +12744,7 @@
           </a:p>
           <a:p>
             <a:pPr algn="l">
-              <a:buFont typeface="Arial" panose="02080604020202020204" pitchFamily="34" charset="0"/>
+              <a:buFont typeface="Arial" panose="020B0604020202020204" pitchFamily="34" charset="0"/>
               <a:buChar char="•"/>
             </a:pPr>
             <a:r>
@@ -13066,7 +12767,7 @@
           </a:p>
           <a:p>
             <a:pPr lvl="1">
-              <a:buFont typeface="Arial" panose="02080604020202020204" pitchFamily="34" charset="0"/>
+              <a:buFont typeface="Arial" panose="020B0604020202020204" pitchFamily="34" charset="0"/>
               <a:buChar char="•"/>
             </a:pPr>
             <a:r>
@@ -14105,7 +13806,7 @@
           <a:lstStyle/>
           <a:p>
             <a:pPr algn="l">
-              <a:buFont typeface="Arial" panose="02080604020202020204" pitchFamily="34" charset="0"/>
+              <a:buFont typeface="Arial" panose="020B0604020202020204" pitchFamily="34" charset="0"/>
               <a:buChar char="•"/>
             </a:pPr>
             <a:r>
@@ -14130,7 +13831,7 @@
           </a:p>
           <a:p>
             <a:pPr algn="l">
-              <a:buFont typeface="Arial" panose="02080604020202020204" pitchFamily="34" charset="0"/>
+              <a:buFont typeface="Arial" panose="020B0604020202020204" pitchFamily="34" charset="0"/>
               <a:buChar char="•"/>
             </a:pPr>
             <a:r>
@@ -15084,7 +14785,7 @@
               <a:blipFill rotWithShape="1">
                 <a:blip r:embed="rId1"/>
                 <a:stretch>
-                  <a:fillRect t="-606" r="7" b="6"/>
+                  <a:fillRect t="-376" r="7" b="6"/>
                 </a:stretch>
               </a:blipFill>
             </p:spPr>
